--- a/chapter15/ASE_15_Stabalizatin_Release.pptx
+++ b/chapter15/ASE_15_Stabalizatin_Release.pptx
@@ -143,16 +143,32 @@
 </p:presentation>
 </file>
 
-<file path=ppt/revisionInfo.xml><?xml version="1.0" encoding="utf-8"?>
-<p1510:revInfo xmlns:a="http://schemas.openxmlformats.org/drawingml/2006/main" xmlns:r="http://schemas.openxmlformats.org/officeDocument/2006/relationships" xmlns:p1510="http://schemas.microsoft.com/office/powerpoint/2015/10/main">
-  <p1510:revLst>
-    <p1510:client id="{B55CB833-3568-49B5-9D65-A0FB87B7FBB5}" v="133" dt="2018-10-08T03:19:30.596"/>
-  </p1510:revLst>
-</p1510:revInfo>
-</file>
-
 <file path=ppt/changesInfos/changesInfo1.xml><?xml version="1.0" encoding="utf-8"?>
 <pc:chgInfo xmlns:a="http://schemas.openxmlformats.org/drawingml/2006/main" xmlns:r="http://schemas.openxmlformats.org/officeDocument/2006/relationships" xmlns:ac="http://schemas.microsoft.com/office/drawing/2013/main/command" xmlns:pc="http://schemas.microsoft.com/office/powerpoint/2013/main/command">
+  <pc:docChgLst>
+    <pc:chgData name="Xin Zou" userId="260b9726081dae15" providerId="LiveId" clId="{5DEDE413-6DE6-4CB0-ACD2-A9E3F5BCC88D}"/>
+    <pc:docChg chg="modSld">
+      <pc:chgData name="Xin Zou" userId="260b9726081dae15" providerId="LiveId" clId="{5DEDE413-6DE6-4CB0-ACD2-A9E3F5BCC88D}" dt="2019-09-04T07:56:36.720" v="1" actId="20577"/>
+      <pc:docMkLst>
+        <pc:docMk/>
+      </pc:docMkLst>
+      <pc:sldChg chg="modSp">
+        <pc:chgData name="Xin Zou" userId="260b9726081dae15" providerId="LiveId" clId="{5DEDE413-6DE6-4CB0-ACD2-A9E3F5BCC88D}" dt="2019-09-04T07:56:36.720" v="1" actId="20577"/>
+        <pc:sldMkLst>
+          <pc:docMk/>
+          <pc:sldMk cId="0" sldId="256"/>
+        </pc:sldMkLst>
+        <pc:spChg chg="mod">
+          <ac:chgData name="Xin Zou" userId="260b9726081dae15" providerId="LiveId" clId="{5DEDE413-6DE6-4CB0-ACD2-A9E3F5BCC88D}" dt="2019-09-04T07:56:36.720" v="1" actId="20577"/>
+          <ac:spMkLst>
+            <pc:docMk/>
+            <pc:sldMk cId="0" sldId="256"/>
+            <ac:spMk id="3" creationId="{00000000-0000-0000-0000-000000000000}"/>
+          </ac:spMkLst>
+        </pc:spChg>
+      </pc:sldChg>
+    </pc:docChg>
+  </pc:docChgLst>
   <pc:docChgLst>
     <pc:chgData name="Xin Zou" userId="260b9726081dae15" providerId="LiveId" clId="{B55CB833-3568-49B5-9D65-A0FB87B7FBB5}"/>
     <pc:docChg chg="custSel mod addSld delSld modSld sldOrd modMainMaster">
@@ -4863,7 +4879,7 @@
             <a:fld id="{F04650A2-B221-45B7-8BFD-302FFBB7179C}" type="datetimeFigureOut">
               <a:rPr lang="en-US" smtClean="0"/>
               <a:pPr/>
-              <a:t>10/7/2018</a:t>
+              <a:t>9/4/2019</a:t>
             </a:fld>
             <a:endParaRPr lang="en-US"/>
           </a:p>
@@ -5531,7 +5547,7 @@
           <a:p>
             <a:fld id="{48A87A34-81AB-432B-8DAE-1953F412C126}" type="datetimeFigureOut">
               <a:rPr lang="en-US" smtClean="0"/>
-              <a:t>10/7/2018</a:t>
+              <a:t>9/4/2019</a:t>
             </a:fld>
             <a:endParaRPr lang="en-US" dirty="0"/>
           </a:p>
@@ -5813,7 +5829,7 @@
             <a:fld id="{48A87A34-81AB-432B-8DAE-1953F412C126}" type="datetimeFigureOut">
               <a:rPr lang="en-US" smtClean="0"/>
               <a:pPr/>
-              <a:t>10/7/2018</a:t>
+              <a:t>9/4/2019</a:t>
             </a:fld>
             <a:endParaRPr lang="en-US" dirty="0"/>
           </a:p>
@@ -6007,7 +6023,7 @@
             <a:fld id="{48A87A34-81AB-432B-8DAE-1953F412C126}" type="datetimeFigureOut">
               <a:rPr lang="en-US" smtClean="0"/>
               <a:pPr/>
-              <a:t>10/7/2018</a:t>
+              <a:t>9/4/2019</a:t>
             </a:fld>
             <a:endParaRPr lang="en-US" dirty="0"/>
           </a:p>
@@ -6270,7 +6286,7 @@
             <a:fld id="{48A87A34-81AB-432B-8DAE-1953F412C126}" type="datetimeFigureOut">
               <a:rPr lang="en-US" smtClean="0"/>
               <a:pPr/>
-              <a:t>10/7/2018</a:t>
+              <a:t>9/4/2019</a:t>
             </a:fld>
             <a:endParaRPr lang="en-US" dirty="0"/>
           </a:p>
@@ -6698,7 +6714,7 @@
             <a:fld id="{48A87A34-81AB-432B-8DAE-1953F412C126}" type="datetimeFigureOut">
               <a:rPr lang="en-US" smtClean="0"/>
               <a:pPr/>
-              <a:t>10/7/2018</a:t>
+              <a:t>9/4/2019</a:t>
             </a:fld>
             <a:endParaRPr lang="en-US" dirty="0"/>
           </a:p>
@@ -7246,7 +7262,7 @@
             <a:fld id="{48A87A34-81AB-432B-8DAE-1953F412C126}" type="datetimeFigureOut">
               <a:rPr lang="en-US" smtClean="0"/>
               <a:pPr/>
-              <a:t>10/7/2018</a:t>
+              <a:t>9/4/2019</a:t>
             </a:fld>
             <a:endParaRPr lang="en-US" dirty="0"/>
           </a:p>
@@ -8079,7 +8095,7 @@
             <a:fld id="{48A87A34-81AB-432B-8DAE-1953F412C126}" type="datetimeFigureOut">
               <a:rPr lang="en-US" smtClean="0"/>
               <a:pPr/>
-              <a:t>10/7/2018</a:t>
+              <a:t>9/4/2019</a:t>
             </a:fld>
             <a:endParaRPr lang="en-US" dirty="0"/>
           </a:p>
@@ -8250,7 +8266,7 @@
           <a:p>
             <a:fld id="{48A87A34-81AB-432B-8DAE-1953F412C126}" type="datetimeFigureOut">
               <a:rPr lang="en-US" smtClean="0"/>
-              <a:t>10/7/2018</a:t>
+              <a:t>9/4/2019</a:t>
             </a:fld>
             <a:endParaRPr lang="en-US" dirty="0"/>
           </a:p>
@@ -8430,7 +8446,7 @@
           <a:p>
             <a:fld id="{48A87A34-81AB-432B-8DAE-1953F412C126}" type="datetimeFigureOut">
               <a:rPr lang="en-US" smtClean="0"/>
-              <a:t>10/7/2018</a:t>
+              <a:t>9/4/2019</a:t>
             </a:fld>
             <a:endParaRPr lang="en-US" dirty="0"/>
           </a:p>
@@ -8600,7 +8616,7 @@
           <a:p>
             <a:fld id="{48A87A34-81AB-432B-8DAE-1953F412C126}" type="datetimeFigureOut">
               <a:rPr lang="en-US" smtClean="0"/>
-              <a:t>10/7/2018</a:t>
+              <a:t>9/4/2019</a:t>
             </a:fld>
             <a:endParaRPr lang="en-US" dirty="0"/>
           </a:p>
@@ -8857,7 +8873,7 @@
           <a:p>
             <a:fld id="{48A87A34-81AB-432B-8DAE-1953F412C126}" type="datetimeFigureOut">
               <a:rPr lang="en-US" smtClean="0"/>
-              <a:t>10/7/2018</a:t>
+              <a:t>9/4/2019</a:t>
             </a:fld>
             <a:endParaRPr lang="en-US" dirty="0"/>
           </a:p>
@@ -9089,7 +9105,7 @@
           <a:p>
             <a:fld id="{48A87A34-81AB-432B-8DAE-1953F412C126}" type="datetimeFigureOut">
               <a:rPr lang="en-US" smtClean="0"/>
-              <a:t>10/7/2018</a:t>
+              <a:t>9/4/2019</a:t>
             </a:fld>
             <a:endParaRPr lang="en-US" dirty="0"/>
           </a:p>
@@ -9482,7 +9498,7 @@
           <a:p>
             <a:fld id="{48A87A34-81AB-432B-8DAE-1953F412C126}" type="datetimeFigureOut">
               <a:rPr lang="en-US" smtClean="0"/>
-              <a:t>10/7/2018</a:t>
+              <a:t>9/4/2019</a:t>
             </a:fld>
             <a:endParaRPr lang="en-US" dirty="0"/>
           </a:p>
@@ -9600,7 +9616,7 @@
           <a:p>
             <a:fld id="{48A87A34-81AB-432B-8DAE-1953F412C126}" type="datetimeFigureOut">
               <a:rPr lang="en-US" smtClean="0"/>
-              <a:t>10/7/2018</a:t>
+              <a:t>9/4/2019</a:t>
             </a:fld>
             <a:endParaRPr lang="en-US" dirty="0"/>
           </a:p>
@@ -9695,7 +9711,7 @@
           <a:p>
             <a:fld id="{48A87A34-81AB-432B-8DAE-1953F412C126}" type="datetimeFigureOut">
               <a:rPr lang="en-US" smtClean="0"/>
-              <a:t>10/7/2018</a:t>
+              <a:t>9/4/2019</a:t>
             </a:fld>
             <a:endParaRPr lang="en-US" dirty="0"/>
           </a:p>
@@ -9968,7 +9984,7 @@
           <a:p>
             <a:fld id="{48A87A34-81AB-432B-8DAE-1953F412C126}" type="datetimeFigureOut">
               <a:rPr lang="en-US" smtClean="0"/>
-              <a:t>10/7/2018</a:t>
+              <a:t>9/4/2019</a:t>
             </a:fld>
             <a:endParaRPr lang="en-US" dirty="0"/>
           </a:p>
@@ -10249,7 +10265,7 @@
           <a:p>
             <a:fld id="{48A87A34-81AB-432B-8DAE-1953F412C126}" type="datetimeFigureOut">
               <a:rPr lang="en-US" smtClean="0"/>
-              <a:t>10/7/2018</a:t>
+              <a:t>9/4/2019</a:t>
             </a:fld>
             <a:endParaRPr lang="en-US" dirty="0"/>
           </a:p>
@@ -10490,7 +10506,7 @@
             <a:fld id="{48A87A34-81AB-432B-8DAE-1953F412C126}" type="datetimeFigureOut">
               <a:rPr lang="en-US" smtClean="0"/>
               <a:pPr/>
-              <a:t>10/7/2018</a:t>
+              <a:t>9/4/2019</a:t>
             </a:fld>
             <a:endParaRPr lang="en-US" dirty="0"/>
           </a:p>
@@ -11117,7 +11133,7 @@
           <a:p>
             <a:r>
               <a:rPr lang="en-US" dirty="0"/>
-              <a:t>2018</a:t>
+              <a:t>2010</a:t>
             </a:r>
           </a:p>
         </p:txBody>
@@ -12819,7 +12835,6 @@
         <a:blipFill dpi="0" rotWithShape="1">
           <a:blip r:embed="rId2">
             <a:lum/>
-            <a:extLst/>
           </a:blip>
           <a:srcRect/>
           <a:stretch>
@@ -15352,21 +15367,6 @@
 </file>
 
 <file path=customXml/item1.xml><?xml version="1.0" encoding="utf-8"?>
-<p:properties xmlns:p="http://schemas.microsoft.com/office/2006/metadata/properties" xmlns:xsi="http://www.w3.org/2001/XMLSchema-instance" xmlns:pc="http://schemas.microsoft.com/office/infopath/2007/PartnerControls">
-  <documentManagement/>
-</p:properties>
-</file>
-
-<file path=customXml/item2.xml><?xml version="1.0" encoding="utf-8"?>
-<?mso-contentType ?>
-<FormTemplates xmlns="http://schemas.microsoft.com/sharepoint/v3/contenttype/forms">
-  <Display>DocumentLibraryForm</Display>
-  <Edit>DocumentLibraryForm</Edit>
-  <New>DocumentLibraryForm</New>
-</FormTemplates>
-</file>
-
-<file path=customXml/item3.xml><?xml version="1.0" encoding="utf-8"?>
 <ct:contentTypeSchema xmlns:ct="http://schemas.microsoft.com/office/2006/metadata/contentType" xmlns:ma="http://schemas.microsoft.com/office/2006/metadata/properties/metaAttributes" ct:_="" ma:_="" ma:contentTypeName="Document" ma:contentTypeID="0x0101006371182FA640024E8A2815D490E1EF25" ma:contentTypeVersion="0" ma:contentTypeDescription="Create a new document." ma:contentTypeScope="" ma:versionID="3591aab47f172a2900f307f59d422227">
   <xsd:schema xmlns:xsd="http://www.w3.org/2001/XMLSchema" xmlns:xs="http://www.w3.org/2001/XMLSchema" xmlns:p="http://schemas.microsoft.com/office/2006/metadata/properties" targetNamespace="http://schemas.microsoft.com/office/2006/metadata/properties" ma:root="true" ma:fieldsID="1f28ea01430cdfb20a10736313f817e3">
     <xsd:element name="properties">
@@ -15480,10 +15480,32 @@
 </ct:contentTypeSchema>
 </file>
 
+<file path=customXml/item2.xml><?xml version="1.0" encoding="utf-8"?>
+<?mso-contentType ?>
+<FormTemplates xmlns="http://schemas.microsoft.com/sharepoint/v3/contenttype/forms">
+  <Display>DocumentLibraryForm</Display>
+  <Edit>DocumentLibraryForm</Edit>
+  <New>DocumentLibraryForm</New>
+</FormTemplates>
+</file>
+
+<file path=customXml/item3.xml><?xml version="1.0" encoding="utf-8"?>
+<p:properties xmlns:p="http://schemas.microsoft.com/office/2006/metadata/properties" xmlns:xsi="http://www.w3.org/2001/XMLSchema-instance" xmlns:pc="http://schemas.microsoft.com/office/infopath/2007/PartnerControls">
+  <documentManagement/>
+</p:properties>
+</file>
+
 <file path=customXml/itemProps1.xml><?xml version="1.0" encoding="utf-8"?>
-<ds:datastoreItem xmlns:ds="http://schemas.openxmlformats.org/officeDocument/2006/customXml" ds:itemID="{5C132C8A-B094-42C9-8FEB-6C14EB442EF6}">
+<ds:datastoreItem xmlns:ds="http://schemas.openxmlformats.org/officeDocument/2006/customXml" ds:itemID="{0FBAD3CE-F083-4C4D-9639-2A686804FC72}">
   <ds:schemaRefs>
+    <ds:schemaRef ds:uri="http://schemas.microsoft.com/office/2006/metadata/contentType"/>
+    <ds:schemaRef ds:uri="http://schemas.microsoft.com/office/2006/metadata/properties/metaAttributes"/>
+    <ds:schemaRef ds:uri="http://www.w3.org/2001/XMLSchema"/>
     <ds:schemaRef ds:uri="http://schemas.microsoft.com/office/2006/metadata/properties"/>
+    <ds:schemaRef ds:uri="http://schemas.openxmlformats.org/package/2006/metadata/core-properties"/>
+    <ds:schemaRef ds:uri="http://purl.org/dc/elements/1.1/"/>
+    <ds:schemaRef ds:uri="http://purl.org/dc/terms/"/>
+    <ds:schemaRef ds:uri="http://schemas.microsoft.com/internal/obd"/>
     <ds:schemaRef ds:uri="http://schemas.microsoft.com/office/infopath/2007/PartnerControls"/>
   </ds:schemaRefs>
 </ds:datastoreItem>
@@ -15498,16 +15520,9 @@
 </file>
 
 <file path=customXml/itemProps3.xml><?xml version="1.0" encoding="utf-8"?>
-<ds:datastoreItem xmlns:ds="http://schemas.openxmlformats.org/officeDocument/2006/customXml" ds:itemID="{0FBAD3CE-F083-4C4D-9639-2A686804FC72}">
+<ds:datastoreItem xmlns:ds="http://schemas.openxmlformats.org/officeDocument/2006/customXml" ds:itemID="{5C132C8A-B094-42C9-8FEB-6C14EB442EF6}">
   <ds:schemaRefs>
-    <ds:schemaRef ds:uri="http://schemas.microsoft.com/office/2006/metadata/contentType"/>
-    <ds:schemaRef ds:uri="http://schemas.microsoft.com/office/2006/metadata/properties/metaAttributes"/>
-    <ds:schemaRef ds:uri="http://www.w3.org/2001/XMLSchema"/>
     <ds:schemaRef ds:uri="http://schemas.microsoft.com/office/2006/metadata/properties"/>
-    <ds:schemaRef ds:uri="http://schemas.openxmlformats.org/package/2006/metadata/core-properties"/>
-    <ds:schemaRef ds:uri="http://purl.org/dc/elements/1.1/"/>
-    <ds:schemaRef ds:uri="http://purl.org/dc/terms/"/>
-    <ds:schemaRef ds:uri="http://schemas.microsoft.com/internal/obd"/>
     <ds:schemaRef ds:uri="http://schemas.microsoft.com/office/infopath/2007/PartnerControls"/>
   </ds:schemaRefs>
 </ds:datastoreItem>
